--- a/High School/Modern Electricity and Electronics/Unit 1 - Introduction & Design Process/Section 2 - Careers In Electricity and Electronics/Assets/Unit 1 - Section 1 - Careers.pptx
+++ b/High School/Modern Electricity and Electronics/Unit 1 - Introduction & Design Process/Section 2 - Careers In Electricity and Electronics/Assets/Unit 1 - Section 1 - Careers.pptx
@@ -5,17 +5,18 @@
     <p:sldMasterId id="2147483648" r:id="rId1"/>
   </p:sldMasterIdLst>
   <p:notesMasterIdLst>
-    <p:notesMasterId r:id="rId7"/>
+    <p:notesMasterId r:id="rId8"/>
   </p:notesMasterIdLst>
   <p:handoutMasterIdLst>
-    <p:handoutMasterId r:id="rId8"/>
+    <p:handoutMasterId r:id="rId9"/>
   </p:handoutMasterIdLst>
   <p:sldIdLst>
     <p:sldId id="268" r:id="rId2"/>
-    <p:sldId id="269" r:id="rId3"/>
-    <p:sldId id="271" r:id="rId4"/>
-    <p:sldId id="270" r:id="rId5"/>
-    <p:sldId id="272" r:id="rId6"/>
+    <p:sldId id="271" r:id="rId3"/>
+    <p:sldId id="272" r:id="rId4"/>
+    <p:sldId id="275" r:id="rId5"/>
+    <p:sldId id="273" r:id="rId6"/>
+    <p:sldId id="274" r:id="rId7"/>
   </p:sldIdLst>
   <p:sldSz cx="12192000" cy="6858000"/>
   <p:notesSz cx="6858000" cy="9144000"/>
@@ -3985,13 +3986,8 @@
           <a:p>
             <a:r>
               <a:rPr lang="en-US" dirty="0"/>
-              <a:t>To be successful in </a:t>
-            </a:r>
-            <a:r>
-              <a:rPr lang="en-US" dirty="0" err="1"/>
-              <a:t>ddp</a:t>
-            </a:r>
-            <a:endParaRPr lang="en-US" dirty="0"/>
+              <a:t>The big idea</a:t>
+            </a:r>
           </a:p>
         </p:txBody>
       </p:sp>
@@ -4007,16 +4003,14 @@
         </p:nvSpPr>
         <p:spPr/>
         <p:txBody>
-          <a:bodyPr>
-            <a:normAutofit/>
-          </a:bodyPr>
+          <a:bodyPr/>
           <a:lstStyle/>
           <a:p>
             <a:r>
               <a:rPr lang="en-US" dirty="0">
                 <a:cs typeface="Arial" pitchFamily="34" charset="0"/>
               </a:rPr>
-              <a:t>Be Prepared</a:t>
+              <a:t>Electricity and electronics is a large field with a wide array of opportunities</a:t>
             </a:r>
           </a:p>
           <a:p>
@@ -4024,7 +4018,7 @@
               <a:rPr lang="en-US" dirty="0">
                 <a:cs typeface="Arial" pitchFamily="34" charset="0"/>
               </a:rPr>
-              <a:t>Be Respectful</a:t>
+              <a:t>Although it has changed rapidly over the last few years new opportunities have sprung</a:t>
             </a:r>
           </a:p>
           <a:p>
@@ -4032,35 +4026,16 @@
               <a:rPr lang="en-US" dirty="0">
                 <a:cs typeface="Arial" pitchFamily="34" charset="0"/>
               </a:rPr>
-              <a:t>Be on-time</a:t>
-            </a:r>
-          </a:p>
-          <a:p>
-            <a:r>
-              <a:rPr lang="en-US" dirty="0">
-                <a:cs typeface="Arial" pitchFamily="34" charset="0"/>
-              </a:rPr>
-              <a:t>1 x folder</a:t>
-            </a:r>
-          </a:p>
-          <a:p>
-            <a:r>
-              <a:rPr lang="en-US" dirty="0">
-                <a:cs typeface="Arial" pitchFamily="34" charset="0"/>
-              </a:rPr>
-              <a:t>1 x 3 ring binder with paper OR notebook for notes, sketches and ideation</a:t>
+              <a:t>Think of the current products being developed and how they are developed</a:t>
             </a:r>
           </a:p>
           <a:p>
             <a:pPr marL="0" indent="0">
               <a:buNone/>
             </a:pPr>
-            <a:r>
-              <a:rPr lang="en-US" sz="1400" dirty="0">
-                <a:cs typeface="Arial" pitchFamily="34" charset="0"/>
-              </a:rPr>
-              <a:t>***Laptops are allowed and encouraged as long as they are utilized towards course work and not a distraction or they will not be permitted in class. All students are provided the G Suite of tools via Google and their school account.***</a:t>
-            </a:r>
+            <a:endParaRPr lang="en-US" dirty="0">
+              <a:cs typeface="Arial" pitchFamily="34" charset="0"/>
+            </a:endParaRPr>
           </a:p>
         </p:txBody>
       </p:sp>
@@ -4095,7 +4070,7 @@
     </p:spTree>
     <p:extLst>
       <p:ext uri="{BB962C8B-B14F-4D97-AF65-F5344CB8AC3E}">
-        <p14:creationId xmlns:p14="http://schemas.microsoft.com/office/powerpoint/2010/main" val="2523332612"/>
+        <p14:creationId xmlns:p14="http://schemas.microsoft.com/office/powerpoint/2010/main" val="78530218"/>
       </p:ext>
     </p:extLst>
   </p:cSld>
@@ -4151,7 +4126,7 @@
           <a:p>
             <a:r>
               <a:rPr lang="en-US" dirty="0"/>
-              <a:t>The big idea</a:t>
+              <a:t>Google classroom code</a:t>
             </a:r>
           </a:p>
         </p:txBody>
@@ -4168,22 +4143,17 @@
         </p:nvSpPr>
         <p:spPr/>
         <p:txBody>
-          <a:bodyPr/>
+          <a:bodyPr>
+            <a:normAutofit/>
+          </a:bodyPr>
           <a:lstStyle/>
           <a:p>
-            <a:r>
-              <a:rPr lang="en-US" dirty="0">
-                <a:cs typeface="Arial" pitchFamily="34" charset="0"/>
-              </a:rPr>
-              <a:t>Introduce the course syllabus to know what units and sections are scheduled and what assignments are due.</a:t>
-            </a:r>
-          </a:p>
-          <a:p>
-            <a:r>
-              <a:rPr lang="en-US" dirty="0">
-                <a:cs typeface="Arial" pitchFamily="34" charset="0"/>
-              </a:rPr>
-              <a:t>Introduce classroom operations and procedures for a safe and exciting working environment.</a:t>
+            <a:pPr marL="0" indent="0" algn="ctr">
+              <a:buNone/>
+            </a:pPr>
+            <a:r>
+              <a:rPr lang="en-US" sz="13800" dirty="0"/>
+              <a:t>1c62ger</a:t>
             </a:r>
           </a:p>
         </p:txBody>
@@ -4219,7 +4189,7 @@
     </p:spTree>
     <p:extLst>
       <p:ext uri="{BB962C8B-B14F-4D97-AF65-F5344CB8AC3E}">
-        <p14:creationId xmlns:p14="http://schemas.microsoft.com/office/powerpoint/2010/main" val="78530218"/>
+        <p14:creationId xmlns:p14="http://schemas.microsoft.com/office/powerpoint/2010/main" val="1645033752"/>
       </p:ext>
     </p:extLst>
   </p:cSld>
@@ -4260,7 +4230,13 @@
       </p:grpSpPr>
       <p:sp>
         <p:nvSpPr>
-          <p:cNvPr id="2" name="Title 1"/>
+          <p:cNvPr id="2" name="Title 1">
+            <a:extLst>
+              <a:ext uri="{FF2B5EF4-FFF2-40B4-BE49-F238E27FC236}">
+                <a16:creationId xmlns:a16="http://schemas.microsoft.com/office/drawing/2014/main" id="{F0873239-03C3-46C0-A2F6-B04506385575}"/>
+              </a:ext>
+            </a:extLst>
+          </p:cNvPr>
           <p:cNvSpPr>
             <a:spLocks noGrp="1"/>
           </p:cNvSpPr>
@@ -4275,14 +4251,20 @@
           <a:p>
             <a:r>
               <a:rPr lang="en-US" dirty="0"/>
-              <a:t>Course Syllabus</a:t>
-            </a:r>
-          </a:p>
-        </p:txBody>
-      </p:sp>
-      <p:sp>
-        <p:nvSpPr>
-          <p:cNvPr id="3" name="Content Placeholder 2"/>
+              <a:t>Do now</a:t>
+            </a:r>
+          </a:p>
+        </p:txBody>
+      </p:sp>
+      <p:sp>
+        <p:nvSpPr>
+          <p:cNvPr id="3" name="Content Placeholder 2">
+            <a:extLst>
+              <a:ext uri="{FF2B5EF4-FFF2-40B4-BE49-F238E27FC236}">
+                <a16:creationId xmlns:a16="http://schemas.microsoft.com/office/drawing/2014/main" id="{B9979C3A-FCDE-4255-AB3B-BB9C314150B7}"/>
+              </a:ext>
+            </a:extLst>
+          </p:cNvPr>
           <p:cNvSpPr>
             <a:spLocks noGrp="1"/>
           </p:cNvSpPr>
@@ -4292,115 +4274,15 @@
         </p:nvSpPr>
         <p:spPr/>
         <p:txBody>
-          <a:bodyPr>
-            <a:normAutofit fontScale="92500" lnSpcReduction="20000"/>
-          </a:bodyPr>
+          <a:bodyPr/>
           <a:lstStyle/>
           <a:p>
-            <a:r>
-              <a:rPr lang="en-US" dirty="0">
-                <a:cs typeface="Arial" pitchFamily="34" charset="0"/>
-              </a:rPr>
-              <a:t>Course Units</a:t>
-            </a:r>
-          </a:p>
-          <a:p>
-            <a:pPr lvl="1"/>
-            <a:r>
-              <a:rPr lang="en-US" dirty="0">
-                <a:cs typeface="Arial" pitchFamily="34" charset="0"/>
-              </a:rPr>
-              <a:t>Introduction &amp; Design Process</a:t>
-            </a:r>
-          </a:p>
-          <a:p>
-            <a:pPr lvl="1"/>
-            <a:r>
-              <a:rPr lang="en-US" dirty="0">
-                <a:cs typeface="Arial" pitchFamily="34" charset="0"/>
-              </a:rPr>
-              <a:t>Title Block</a:t>
-            </a:r>
-          </a:p>
-          <a:p>
-            <a:pPr lvl="1"/>
-            <a:r>
-              <a:rPr lang="en-US" dirty="0">
-                <a:cs typeface="Arial" pitchFamily="34" charset="0"/>
-              </a:rPr>
-              <a:t>Lettering</a:t>
-            </a:r>
-          </a:p>
-          <a:p>
-            <a:pPr lvl="1"/>
-            <a:r>
-              <a:rPr lang="en-US" dirty="0">
-                <a:cs typeface="Arial" pitchFamily="34" charset="0"/>
-              </a:rPr>
-              <a:t>Alphabet of Lines</a:t>
-            </a:r>
-          </a:p>
-          <a:p>
-            <a:pPr lvl="1"/>
-            <a:r>
-              <a:rPr lang="en-US" dirty="0">
-                <a:cs typeface="Arial" pitchFamily="34" charset="0"/>
-              </a:rPr>
-              <a:t>Basic Geometry in Drafting</a:t>
-            </a:r>
-          </a:p>
-          <a:p>
-            <a:pPr lvl="1"/>
-            <a:r>
-              <a:rPr lang="en-US" dirty="0">
-                <a:cs typeface="Arial" pitchFamily="34" charset="0"/>
-              </a:rPr>
-              <a:t>Multiview Drawing</a:t>
-            </a:r>
-          </a:p>
-          <a:p>
-            <a:pPr lvl="1"/>
-            <a:r>
-              <a:rPr lang="en-US" dirty="0">
-                <a:cs typeface="Arial" pitchFamily="34" charset="0"/>
-              </a:rPr>
-              <a:t>Introduction to SketchUp</a:t>
-            </a:r>
-          </a:p>
-          <a:p>
-            <a:pPr lvl="1"/>
-            <a:r>
-              <a:rPr lang="en-US" dirty="0">
-                <a:cs typeface="Arial" pitchFamily="34" charset="0"/>
-              </a:rPr>
-              <a:t>SketchUp Multiview Drawings</a:t>
-            </a:r>
-          </a:p>
-          <a:p>
-            <a:pPr lvl="1"/>
-            <a:r>
-              <a:rPr lang="en-US" dirty="0">
-                <a:cs typeface="Arial" pitchFamily="34" charset="0"/>
-              </a:rPr>
-              <a:t>SketchUp 3D Modeling</a:t>
-            </a:r>
-          </a:p>
-          <a:p>
-            <a:pPr lvl="1"/>
-            <a:r>
-              <a:rPr lang="en-US" dirty="0">
-                <a:cs typeface="Arial" pitchFamily="34" charset="0"/>
-              </a:rPr>
-              <a:t>Puzzle Cube Design Challenge</a:t>
-            </a:r>
-          </a:p>
-          <a:p>
-            <a:pPr lvl="1"/>
-            <a:r>
-              <a:rPr lang="en-US" dirty="0">
-                <a:cs typeface="Arial" pitchFamily="34" charset="0"/>
-              </a:rPr>
-              <a:t>Reverse Engineering</a:t>
+            <a:pPr marL="0" indent="0">
+              <a:buNone/>
+            </a:pPr>
+            <a:r>
+              <a:rPr lang="en-US" dirty="0"/>
+              <a:t>What are come careers or opportunities within the electricity/electronics field?</a:t>
             </a:r>
           </a:p>
         </p:txBody>
@@ -4410,7 +4292,7 @@
           <p:cNvPr id="4" name="Footer Placeholder 3">
             <a:extLst>
               <a:ext uri="{FF2B5EF4-FFF2-40B4-BE49-F238E27FC236}">
-                <a16:creationId xmlns:a16="http://schemas.microsoft.com/office/drawing/2014/main" id="{EADFB87E-2A3F-4815-8F5E-3CF3521EBF24}"/>
+                <a16:creationId xmlns:a16="http://schemas.microsoft.com/office/drawing/2014/main" id="{285EC170-7F5C-4D74-A52D-D9544100D9A9}"/>
               </a:ext>
             </a:extLst>
           </p:cNvPr>
@@ -4427,16 +4309,17 @@
           <a:lstStyle/>
           <a:p>
             <a:r>
-              <a:rPr lang="en-US" dirty="0"/>
-              <a:t>Unit 1 – Section 1 - Day 1</a:t>
-            </a:r>
+              <a:rPr lang="en-US"/>
+              <a:t>Add a footer</a:t>
+            </a:r>
+            <a:endParaRPr lang="en-US" dirty="0"/>
           </a:p>
         </p:txBody>
       </p:sp>
     </p:spTree>
     <p:extLst>
       <p:ext uri="{BB962C8B-B14F-4D97-AF65-F5344CB8AC3E}">
-        <p14:creationId xmlns:p14="http://schemas.microsoft.com/office/powerpoint/2010/main" val="3332330429"/>
+        <p14:creationId xmlns:p14="http://schemas.microsoft.com/office/powerpoint/2010/main" val="10874707"/>
       </p:ext>
     </p:extLst>
   </p:cSld>
@@ -4477,7 +4360,13 @@
       </p:grpSpPr>
       <p:sp>
         <p:nvSpPr>
-          <p:cNvPr id="2" name="Title 1"/>
+          <p:cNvPr id="2" name="Title 1">
+            <a:extLst>
+              <a:ext uri="{FF2B5EF4-FFF2-40B4-BE49-F238E27FC236}">
+                <a16:creationId xmlns:a16="http://schemas.microsoft.com/office/drawing/2014/main" id="{C9E9095F-0995-4572-B6BC-6E4D7920FB3F}"/>
+              </a:ext>
+            </a:extLst>
+          </p:cNvPr>
           <p:cNvSpPr>
             <a:spLocks noGrp="1"/>
           </p:cNvSpPr>
@@ -4492,14 +4381,20 @@
           <a:p>
             <a:r>
               <a:rPr lang="en-US" dirty="0"/>
-              <a:t>Google classroom code</a:t>
-            </a:r>
-          </a:p>
-        </p:txBody>
-      </p:sp>
-      <p:sp>
-        <p:nvSpPr>
-          <p:cNvPr id="3" name="Content Placeholder 2"/>
+              <a:t>Career Opportunities</a:t>
+            </a:r>
+          </a:p>
+        </p:txBody>
+      </p:sp>
+      <p:sp>
+        <p:nvSpPr>
+          <p:cNvPr id="3" name="Content Placeholder 2">
+            <a:extLst>
+              <a:ext uri="{FF2B5EF4-FFF2-40B4-BE49-F238E27FC236}">
+                <a16:creationId xmlns:a16="http://schemas.microsoft.com/office/drawing/2014/main" id="{DEB7481A-824C-4772-A9E6-B5F5847C02B8}"/>
+              </a:ext>
+            </a:extLst>
+          </p:cNvPr>
           <p:cNvSpPr>
             <a:spLocks noGrp="1"/>
           </p:cNvSpPr>
@@ -4510,20 +4405,65 @@
         <p:spPr/>
         <p:txBody>
           <a:bodyPr>
-            <a:normAutofit/>
+            <a:normAutofit lnSpcReduction="10000"/>
           </a:bodyPr>
           <a:lstStyle/>
           <a:p>
-            <a:pPr marL="0" indent="0" algn="ctr">
-              <a:buNone/>
-            </a:pPr>
-            <a:r>
-              <a:rPr lang="en-US" sz="16900" b="1"/>
-              <a:t>okia9n</a:t>
-            </a:r>
-            <a:endParaRPr lang="en-US" sz="16900" b="1" dirty="0">
-              <a:cs typeface="Arial" pitchFamily="34" charset="0"/>
-            </a:endParaRPr>
+            <a:r>
+              <a:rPr lang="en-US" dirty="0"/>
+              <a:t>Electrical and Electronic Engineering</a:t>
+            </a:r>
+          </a:p>
+          <a:p>
+            <a:r>
+              <a:rPr lang="en-US" dirty="0"/>
+              <a:t>Technicians</a:t>
+            </a:r>
+          </a:p>
+          <a:p>
+            <a:pPr lvl="1"/>
+            <a:r>
+              <a:rPr lang="en-US" dirty="0"/>
+              <a:t>Laser Technicians</a:t>
+            </a:r>
+          </a:p>
+          <a:p>
+            <a:pPr lvl="1"/>
+            <a:r>
+              <a:rPr lang="en-US" dirty="0"/>
+              <a:t>Robotics Technicians</a:t>
+            </a:r>
+          </a:p>
+          <a:p>
+            <a:pPr lvl="1"/>
+            <a:r>
+              <a:rPr lang="en-US" dirty="0"/>
+              <a:t>Broadcast Technicians</a:t>
+            </a:r>
+          </a:p>
+          <a:p>
+            <a:r>
+              <a:rPr lang="en-US" dirty="0"/>
+              <a:t>Electricians</a:t>
+            </a:r>
+          </a:p>
+          <a:p>
+            <a:r>
+              <a:rPr lang="en-US" dirty="0"/>
+              <a:t>Computer Support Technicians</a:t>
+            </a:r>
+          </a:p>
+          <a:p>
+            <a:r>
+              <a:rPr lang="en-US" dirty="0"/>
+              <a:t>Line Installers and Line Repairers</a:t>
+            </a:r>
+          </a:p>
+          <a:p>
+            <a:r>
+              <a:rPr lang="en-US" dirty="0"/>
+              <a:t>HVAC	</a:t>
+            </a:r>
           </a:p>
         </p:txBody>
       </p:sp>
@@ -4532,7 +4472,7 @@
           <p:cNvPr id="4" name="Footer Placeholder 3">
             <a:extLst>
               <a:ext uri="{FF2B5EF4-FFF2-40B4-BE49-F238E27FC236}">
-                <a16:creationId xmlns:a16="http://schemas.microsoft.com/office/drawing/2014/main" id="{EADFB87E-2A3F-4815-8F5E-3CF3521EBF24}"/>
+                <a16:creationId xmlns:a16="http://schemas.microsoft.com/office/drawing/2014/main" id="{C1462110-0F8A-4660-8D97-FA8C53E1D147}"/>
               </a:ext>
             </a:extLst>
           </p:cNvPr>
@@ -4549,16 +4489,156 @@
           <a:lstStyle/>
           <a:p>
             <a:r>
-              <a:rPr lang="en-US" dirty="0"/>
-              <a:t>Unit 1 – Section 1 - Day 1</a:t>
-            </a:r>
+              <a:rPr lang="en-US"/>
+              <a:t>Add a footer</a:t>
+            </a:r>
+            <a:endParaRPr lang="en-US" dirty="0"/>
           </a:p>
         </p:txBody>
       </p:sp>
     </p:spTree>
     <p:extLst>
       <p:ext uri="{BB962C8B-B14F-4D97-AF65-F5344CB8AC3E}">
-        <p14:creationId xmlns:p14="http://schemas.microsoft.com/office/powerpoint/2010/main" val="1645033752"/>
+        <p14:creationId xmlns:p14="http://schemas.microsoft.com/office/powerpoint/2010/main" val="1419027906"/>
+      </p:ext>
+    </p:extLst>
+  </p:cSld>
+  <p:clrMapOvr>
+    <a:masterClrMapping/>
+  </p:clrMapOvr>
+  <mc:AlternateContent xmlns:mc="http://schemas.openxmlformats.org/markup-compatibility/2006" xmlns:p14="http://schemas.microsoft.com/office/powerpoint/2010/main">
+    <mc:Choice Requires="p14">
+      <p:transition spd="med" p14:dur="700">
+        <p:fade/>
+      </p:transition>
+    </mc:Choice>
+    <mc:Fallback xmlns="">
+      <p:transition spd="med">
+        <p:fade/>
+      </p:transition>
+    </mc:Fallback>
+  </mc:AlternateContent>
+</p:sld>
+</file>
+
+<file path=ppt/slides/slide6.xml><?xml version="1.0" encoding="utf-8"?>
+<p:sld xmlns:a="http://schemas.openxmlformats.org/drawingml/2006/main" xmlns:r="http://schemas.openxmlformats.org/officeDocument/2006/relationships" xmlns:p="http://schemas.openxmlformats.org/presentationml/2006/main">
+  <p:cSld>
+    <p:spTree>
+      <p:nvGrpSpPr>
+        <p:cNvPr id="1" name=""/>
+        <p:cNvGrpSpPr/>
+        <p:nvPr/>
+      </p:nvGrpSpPr>
+      <p:grpSpPr>
+        <a:xfrm>
+          <a:off x="0" y="0"/>
+          <a:ext cx="0" cy="0"/>
+          <a:chOff x="0" y="0"/>
+          <a:chExt cx="0" cy="0"/>
+        </a:xfrm>
+      </p:grpSpPr>
+      <p:sp>
+        <p:nvSpPr>
+          <p:cNvPr id="2" name="Title 1">
+            <a:extLst>
+              <a:ext uri="{FF2B5EF4-FFF2-40B4-BE49-F238E27FC236}">
+                <a16:creationId xmlns:a16="http://schemas.microsoft.com/office/drawing/2014/main" id="{1B6F0622-1062-452C-8735-DC55C7E5BCB9}"/>
+              </a:ext>
+            </a:extLst>
+          </p:cNvPr>
+          <p:cNvSpPr>
+            <a:spLocks noGrp="1"/>
+          </p:cNvSpPr>
+          <p:nvPr>
+            <p:ph type="title"/>
+          </p:nvPr>
+        </p:nvSpPr>
+        <p:spPr/>
+        <p:txBody>
+          <a:bodyPr/>
+          <a:lstStyle/>
+          <a:p>
+            <a:r>
+              <a:rPr lang="en-US" dirty="0"/>
+              <a:t>What is electricity</a:t>
+            </a:r>
+          </a:p>
+        </p:txBody>
+      </p:sp>
+      <p:sp>
+        <p:nvSpPr>
+          <p:cNvPr id="3" name="Content Placeholder 2">
+            <a:extLst>
+              <a:ext uri="{FF2B5EF4-FFF2-40B4-BE49-F238E27FC236}">
+                <a16:creationId xmlns:a16="http://schemas.microsoft.com/office/drawing/2014/main" id="{B41559E8-586C-4BDF-BF1C-010B4D78B1FE}"/>
+              </a:ext>
+            </a:extLst>
+          </p:cNvPr>
+          <p:cNvSpPr>
+            <a:spLocks noGrp="1"/>
+          </p:cNvSpPr>
+          <p:nvPr>
+            <p:ph idx="1"/>
+          </p:nvPr>
+        </p:nvSpPr>
+        <p:spPr/>
+        <p:txBody>
+          <a:bodyPr/>
+          <a:lstStyle/>
+          <a:p>
+            <a:pPr marL="0" indent="0" algn="ctr">
+              <a:buNone/>
+            </a:pPr>
+            <a:r>
+              <a:rPr lang="en-US" dirty="0">
+                <a:hlinkClick r:id="rId2"/>
+              </a:rPr>
+              <a:t>https://www.youtube.com/watch?v=ru032Mfsfig</a:t>
+            </a:r>
+            <a:endParaRPr lang="en-US" dirty="0"/>
+          </a:p>
+          <a:p>
+            <a:pPr marL="0" indent="0" algn="ctr">
+              <a:buNone/>
+            </a:pPr>
+            <a:endParaRPr lang="en-US" dirty="0"/>
+          </a:p>
+        </p:txBody>
+      </p:sp>
+      <p:sp>
+        <p:nvSpPr>
+          <p:cNvPr id="4" name="Footer Placeholder 3">
+            <a:extLst>
+              <a:ext uri="{FF2B5EF4-FFF2-40B4-BE49-F238E27FC236}">
+                <a16:creationId xmlns:a16="http://schemas.microsoft.com/office/drawing/2014/main" id="{466505F1-3851-4B89-9C32-DCEDFF1420FB}"/>
+              </a:ext>
+            </a:extLst>
+          </p:cNvPr>
+          <p:cNvSpPr>
+            <a:spLocks noGrp="1"/>
+          </p:cNvSpPr>
+          <p:nvPr>
+            <p:ph type="ftr" sz="quarter" idx="11"/>
+          </p:nvPr>
+        </p:nvSpPr>
+        <p:spPr/>
+        <p:txBody>
+          <a:bodyPr/>
+          <a:lstStyle/>
+          <a:p>
+            <a:r>
+              <a:rPr lang="en-US"/>
+              <a:t>Add a footer</a:t>
+            </a:r>
+            <a:endParaRPr lang="en-US" dirty="0"/>
+          </a:p>
+        </p:txBody>
+      </p:sp>
+    </p:spTree>
+    <p:extLst>
+      <p:ext uri="{BB962C8B-B14F-4D97-AF65-F5344CB8AC3E}">
+        <p14:creationId xmlns:p14="http://schemas.microsoft.com/office/powerpoint/2010/main" val="3167814185"/>
       </p:ext>
     </p:extLst>
   </p:cSld>
